--- a/2022/Parameter-Estimation/Parameter-Fitting-Part-1a-Overview.pptx
+++ b/2022/Parameter-Estimation/Parameter-Fitting-Part-1a-Overview.pptx
@@ -252,8 +252,11 @@
     </a:lvl9pPr>
   </p:defaultTextStyle>
   <p:extLst>
+    <p:ext uri="{EFAFB233-063F-42B5-8137-9DF3F51BA10A}">
+      <p15:sldGuideLst xmlns:p15="http://schemas.microsoft.com/office/powerpoint/2012/main"/>
+    </p:ext>
     <p:ext uri="http://customooxmlschemas.google.com/">
-      <go:slidesCustomData xmlns:go="http://customooxmlschemas.google.com/" xmlns:ahyp="http://schemas.microsoft.com/office/drawing/2018/hyperlinkcolor" xmlns:p15="http://schemas.microsoft.com/office/powerpoint/2012/main" xmlns:p14="http://schemas.microsoft.com/office/powerpoint/2010/main" xmlns:com="http://schemas.openxmlformats.org/drawingml/2006/compatibility" xmlns:pvml="urn:schemas-microsoft-com:office:powerpoint" xmlns:v="urn:schemas-microsoft-com:vml" xmlns:o="urn:schemas-microsoft-com:office:office" xmlns:dgm="http://schemas.openxmlformats.org/drawingml/2006/diagram" xmlns:c="http://schemas.openxmlformats.org/drawingml/2006/chart" xmlns:mv="urn:schemas-microsoft-com:mac:vml" xmlns:mc="http://schemas.openxmlformats.org/markup-compatibility/2006" xmlns="" r:id="rId17" roundtripDataSignature="AMtx7mhRQelKOmV6OyPoa+Coym0V9DWfGQ=="/>
+      <go:slidesCustomData xmlns="" xmlns:mc="http://schemas.openxmlformats.org/markup-compatibility/2006" xmlns:mv="urn:schemas-microsoft-com:mac:vml" xmlns:c="http://schemas.openxmlformats.org/drawingml/2006/chart" xmlns:dgm="http://schemas.openxmlformats.org/drawingml/2006/diagram" xmlns:o="urn:schemas-microsoft-com:office:office" xmlns:v="urn:schemas-microsoft-com:vml" xmlns:pvml="urn:schemas-microsoft-com:office:powerpoint" xmlns:com="http://schemas.openxmlformats.org/drawingml/2006/compatibility" xmlns:p14="http://schemas.microsoft.com/office/powerpoint/2010/main" xmlns:p15="http://schemas.microsoft.com/office/powerpoint/2012/main" xmlns:ahyp="http://schemas.microsoft.com/office/drawing/2018/hyperlinkcolor" xmlns:go="http://customooxmlschemas.google.com/" r:id="rId17" roundtripDataSignature="AMtx7mhRQelKOmV6OyPoa+Coym0V9DWfGQ=="/>
     </p:ext>
   </p:extLst>
 </p:presentation>
@@ -20805,7 +20808,7 @@
         <p:spPr>
           <a:xfrm>
             <a:off x="152400" y="1825625"/>
-            <a:ext cx="7993500" cy="2500500"/>
+            <a:ext cx="8458200" cy="2500500"/>
           </a:xfrm>
           <a:prstGeom prst="rect">
             <a:avLst/>
@@ -20835,10 +20838,10 @@
               <a:buChar char="•"/>
             </a:pPr>
             <a:r>
-              <a:rPr lang="en-US"/>
-              <a:t>Fitting surface</a:t>
+              <a:rPr lang="en-US" dirty="0"/>
+              <a:t>Fitting surface (Convex? Nearly convex? Not convex?)</a:t>
             </a:r>
-            <a:endParaRPr/>
+            <a:endParaRPr dirty="0"/>
           </a:p>
           <a:p>
             <a:pPr marL="457200" lvl="0" indent="-342900" algn="l" rtl="0">
@@ -20855,10 +20858,10 @@
               <a:buChar char="•"/>
             </a:pPr>
             <a:r>
-              <a:rPr lang="en-US"/>
+              <a:rPr lang="en-US" dirty="0"/>
               <a:t>Number of parameters, number of levels (settings)</a:t>
             </a:r>
-            <a:endParaRPr/>
+            <a:endParaRPr dirty="0"/>
           </a:p>
           <a:p>
             <a:pPr marL="457200" lvl="0" indent="-342900" algn="l" rtl="0">
@@ -20875,30 +20878,10 @@
               <a:buChar char="•"/>
             </a:pPr>
             <a:r>
-              <a:rPr lang="en-US"/>
+              <a:rPr lang="en-US" dirty="0"/>
               <a:t>Starting point for the search</a:t>
             </a:r>
-            <a:endParaRPr/>
-          </a:p>
-          <a:p>
-            <a:pPr marL="457200" lvl="0" indent="-342900" algn="l" rtl="0">
-              <a:lnSpc>
-                <a:spcPct val="90000"/>
-              </a:lnSpc>
-              <a:spcBef>
-                <a:spcPts val="0"/>
-              </a:spcBef>
-              <a:spcAft>
-                <a:spcPts val="0"/>
-              </a:spcAft>
-              <a:buSzPts val="1800"/>
-              <a:buChar char="•"/>
-            </a:pPr>
-            <a:r>
-              <a:rPr lang="en-US"/>
-              <a:t>Search algorithm</a:t>
-            </a:r>
-            <a:endParaRPr/>
+            <a:endParaRPr dirty="0"/>
           </a:p>
         </p:txBody>
       </p:sp>
@@ -21436,9 +21419,9 @@
                                           </p:stCondLst>
                                         </p:cTn>
                                         <p:tgtEl>
-                                          <p:spTgt spid="229">
+                                          <p:spTgt spid="234">
                                             <p:txEl>
-                                              <p:pRg st="3" end="3"/>
+                                              <p:pRg st="0" end="0"/>
                                             </p:txEl>
                                           </p:spTgt>
                                         </p:tgtEl>
@@ -21454,9 +21437,9 @@
                                       <p:cBhvr>
                                         <p:cTn id="22" dur="1000"/>
                                         <p:tgtEl>
-                                          <p:spTgt spid="229">
+                                          <p:spTgt spid="234">
                                             <p:txEl>
-                                              <p:pRg st="3" end="3"/>
+                                              <p:pRg st="0" end="0"/>
                                             </p:txEl>
                                           </p:spTgt>
                                         </p:tgtEl>
@@ -21499,7 +21482,7 @@
                                         <p:tgtEl>
                                           <p:spTgt spid="234">
                                             <p:txEl>
-                                              <p:pRg st="0" end="0"/>
+                                              <p:pRg st="1" end="1"/>
                                             </p:txEl>
                                           </p:spTgt>
                                         </p:tgtEl>
@@ -21517,7 +21500,7 @@
                                         <p:tgtEl>
                                           <p:spTgt spid="234">
                                             <p:txEl>
-                                              <p:pRg st="0" end="0"/>
+                                              <p:pRg st="1" end="1"/>
                                             </p:txEl>
                                           </p:spTgt>
                                         </p:tgtEl>
@@ -21558,11 +21541,7 @@
                                           </p:stCondLst>
                                         </p:cTn>
                                         <p:tgtEl>
-                                          <p:spTgt spid="234">
-                                            <p:txEl>
-                                              <p:pRg st="1" end="1"/>
-                                            </p:txEl>
-                                          </p:spTgt>
+                                          <p:spTgt spid="234"/>
                                         </p:tgtEl>
                                         <p:attrNameLst>
                                           <p:attrName>style.visibility</p:attrName>
@@ -21575,63 +21554,6 @@
                                     <p:animEffect transition="in" filter="fade">
                                       <p:cBhvr>
                                         <p:cTn id="32" dur="1000"/>
-                                        <p:tgtEl>
-                                          <p:spTgt spid="234">
-                                            <p:txEl>
-                                              <p:pRg st="1" end="1"/>
-                                            </p:txEl>
-                                          </p:spTgt>
-                                        </p:tgtEl>
-                                      </p:cBhvr>
-                                    </p:animEffect>
-                                  </p:childTnLst>
-                                </p:cTn>
-                              </p:par>
-                            </p:childTnLst>
-                          </p:cTn>
-                        </p:par>
-                      </p:childTnLst>
-                    </p:cTn>
-                  </p:par>
-                  <p:par>
-                    <p:cTn id="33" fill="hold">
-                      <p:stCondLst>
-                        <p:cond delay="indefinite"/>
-                      </p:stCondLst>
-                      <p:childTnLst>
-                        <p:par>
-                          <p:cTn id="34" fill="hold">
-                            <p:stCondLst>
-                              <p:cond delay="0"/>
-                            </p:stCondLst>
-                            <p:childTnLst>
-                              <p:par>
-                                <p:cTn id="35" presetID="10" presetClass="entr" presetSubtype="0" fill="hold" nodeType="clickEffect">
-                                  <p:stCondLst>
-                                    <p:cond delay="0"/>
-                                  </p:stCondLst>
-                                  <p:childTnLst>
-                                    <p:set>
-                                      <p:cBhvr>
-                                        <p:cTn id="36" dur="1" fill="hold">
-                                          <p:stCondLst>
-                                            <p:cond delay="0"/>
-                                          </p:stCondLst>
-                                        </p:cTn>
-                                        <p:tgtEl>
-                                          <p:spTgt spid="234"/>
-                                        </p:tgtEl>
-                                        <p:attrNameLst>
-                                          <p:attrName>style.visibility</p:attrName>
-                                        </p:attrNameLst>
-                                      </p:cBhvr>
-                                      <p:to>
-                                        <p:strVal val="visible"/>
-                                      </p:to>
-                                    </p:set>
-                                    <p:animEffect transition="in" filter="fade">
-                                      <p:cBhvr>
-                                        <p:cTn id="37" dur="1000"/>
                                         <p:tgtEl>
                                           <p:spTgt spid="234"/>
                                         </p:tgtEl>
@@ -30681,8 +30603,8 @@
         </p:nvSpPr>
         <p:spPr>
           <a:xfrm>
-            <a:off x="6215125" y="5894900"/>
-            <a:ext cx="5957100" cy="769500"/>
+            <a:off x="6096000" y="5894900"/>
+            <a:ext cx="6076225" cy="769500"/>
           </a:xfrm>
           <a:prstGeom prst="rect">
             <a:avLst/>
@@ -30716,7 +30638,7 @@
               <a:buNone/>
             </a:pPr>
             <a:r>
-              <a:rPr lang="en-US" sz="1900" b="1" i="0" u="none" strike="noStrike" cap="none">
+              <a:rPr lang="en-US" sz="1900" b="1" i="0" u="none" strike="noStrike" cap="none" dirty="0">
                 <a:solidFill>
                   <a:srgbClr val="000000"/>
                 </a:solidFill>
@@ -30727,7 +30649,7 @@
               </a:rPr>
               <a:t>Convex fitting surface. Gradient descent finds the best fit. </a:t>
             </a:r>
-            <a:endParaRPr sz="1900" b="1" i="0" u="none" strike="noStrike" cap="none">
+            <a:endParaRPr sz="1900" b="1" i="0" u="none" strike="noStrike" cap="none" dirty="0">
               <a:solidFill>
                 <a:srgbClr val="000000"/>
               </a:solidFill>
@@ -30756,7 +30678,7 @@
               <a:buNone/>
             </a:pPr>
             <a:r>
-              <a:rPr lang="en-US" sz="1900" b="1" i="0" u="none" strike="noStrike" cap="none">
+              <a:rPr lang="en-US" sz="1900" b="1" i="0" u="none" strike="noStrike" cap="none" dirty="0">
                 <a:solidFill>
                   <a:srgbClr val="000000"/>
                 </a:solidFill>
@@ -30767,7 +30689,7 @@
               </a:rPr>
               <a:t>Avoids computational complexity of exhaustive search.</a:t>
             </a:r>
-            <a:endParaRPr sz="1900" b="1" i="0" u="none" strike="noStrike" cap="none">
+            <a:endParaRPr sz="1900" b="1" i="0" u="none" strike="noStrike" cap="none" dirty="0">
               <a:solidFill>
                 <a:srgbClr val="000000"/>
               </a:solidFill>
